--- a/modules/Anova-1Way/PPT.pptx
+++ b/modules/Anova-1Way/PPT.pptx
@@ -11281,7 +11281,7 @@
 </file>
 
 <file path=ppt/slides/slide2.xml><?xml version="1.0" encoding="utf-8"?>
-<p:sld xmlns:a="http://schemas.openxmlformats.org/drawingml/2006/main" xmlns:r="http://schemas.openxmlformats.org/officeDocument/2006/relationships" xmlns:p="http://schemas.openxmlformats.org/presentationml/2006/main">
+<p:sld xmlns:a="http://schemas.openxmlformats.org/drawingml/2006/main" xmlns:r="http://schemas.openxmlformats.org/officeDocument/2006/relationships" xmlns:p="http://schemas.openxmlformats.org/presentationml/2006/main" show="0">
   <p:cSld>
     <p:spTree>
       <p:nvGrpSpPr>
@@ -11402,6 +11402,14 @@
   <p:clrMapOvr>
     <a:masterClrMapping/>
   </p:clrMapOvr>
+  <mc:AlternateContent xmlns:mc="http://schemas.openxmlformats.org/markup-compatibility/2006">
+    <mc:Choice xmlns:p14="http://schemas.microsoft.com/office/powerpoint/2010/main" Requires="p14">
+      <p:transition spd="slow" p14:dur="2000"/>
+    </mc:Choice>
+    <mc:Fallback>
+      <p:transition spd="slow"/>
+    </mc:Fallback>
+  </mc:AlternateContent>
   <p:timing>
     <p:tnLst>
       <p:par>
@@ -17630,8 +17638,8 @@
         </p:nvSpPr>
         <p:spPr>
           <a:xfrm>
-            <a:off x="152400" y="685800"/>
-            <a:ext cx="8915400" cy="5715000"/>
+            <a:off x="152400" y="1219200"/>
+            <a:ext cx="8915400" cy="5105400"/>
           </a:xfrm>
         </p:spPr>
         <p:txBody>
@@ -17682,7 +17690,7 @@
                 <a:spcPct val="90000"/>
               </a:lnSpc>
             </a:pPr>
-            <a:endParaRPr lang="en-US" sz="2800" dirty="0"/>
+            <a:endParaRPr lang="en-US" sz="1800" dirty="0"/>
           </a:p>
           <a:p>
             <a:pPr>
@@ -17702,7 +17710,7 @@
                 <a:spcPct val="90000"/>
               </a:lnSpc>
             </a:pPr>
-            <a:endParaRPr lang="en-US" sz="2800" dirty="0" smtClean="0"/>
+            <a:endParaRPr lang="en-US" sz="1800" dirty="0" smtClean="0"/>
           </a:p>
           <a:p>
             <a:pPr>
@@ -17736,7 +17744,7 @@
                 <a:spcPct val="90000"/>
               </a:lnSpc>
             </a:pPr>
-            <a:endParaRPr lang="en-US" sz="2800" dirty="0" smtClean="0"/>
+            <a:endParaRPr lang="en-US" sz="1800" dirty="0" smtClean="0"/>
           </a:p>
           <a:p>
             <a:pPr>
@@ -17778,7 +17786,7 @@
                 <a:spcPct val="90000"/>
               </a:lnSpc>
             </a:pPr>
-            <a:endParaRPr lang="en-US" sz="2800" dirty="0"/>
+            <a:endParaRPr lang="en-US" sz="1800" dirty="0"/>
           </a:p>
           <a:p>
             <a:pPr>
@@ -17790,6 +17798,34 @@
               <a:rPr lang="en-US" sz="2800" dirty="0" smtClean="0"/>
               <a:t>What does the full model look like?  Simple model?</a:t>
             </a:r>
+          </a:p>
+        </p:txBody>
+      </p:sp>
+      <p:sp>
+        <p:nvSpPr>
+          <p:cNvPr id="6" name="Rectangle 2"/>
+          <p:cNvSpPr>
+            <a:spLocks noGrp="1" noChangeArrowheads="1"/>
+          </p:cNvSpPr>
+          <p:nvPr>
+            <p:ph type="title"/>
+          </p:nvPr>
+        </p:nvSpPr>
+        <p:spPr>
+          <a:xfrm>
+            <a:off x="65088" y="122238"/>
+            <a:ext cx="9012237" cy="868362"/>
+          </a:xfrm>
+        </p:spPr>
+        <p:txBody>
+          <a:bodyPr/>
+          <a:lstStyle/>
+          <a:p>
+            <a:r>
+              <a:rPr lang="en-US" dirty="0" smtClean="0"/>
+              <a:t>Examine Handout</a:t>
+            </a:r>
+            <a:endParaRPr lang="en-US" dirty="0"/>
           </a:p>
         </p:txBody>
       </p:sp>
